--- a/CFT4CUnitSrc/src/report/DinhNgocThi-BaocaotiendoNCS.pptx
+++ b/CFT4CUnitSrc/src/report/DinhNgocThi-BaocaotiendoNCS.pptx
@@ -9,9 +9,10 @@
     <p:sldId id="257" r:id="rId3"/>
     <p:sldId id="258" r:id="rId4"/>
     <p:sldId id="269" r:id="rId5"/>
-    <p:sldId id="259" r:id="rId6"/>
-    <p:sldId id="268" r:id="rId7"/>
-    <p:sldId id="261" r:id="rId8"/>
+    <p:sldId id="270" r:id="rId6"/>
+    <p:sldId id="259" r:id="rId7"/>
+    <p:sldId id="268" r:id="rId8"/>
+    <p:sldId id="261" r:id="rId9"/>
   </p:sldIdLst>
   <p:sldSz cx="9144000" cy="6858000" type="screen4x3"/>
   <p:notesSz cx="6858000" cy="9144000"/>
@@ -302,7 +303,7 @@
             <a:fld id="{303881E0-EDA0-4CAA-BDE9-D54759E7AE67}" type="datetimeFigureOut">
               <a:rPr lang="en-US" smtClean="0"/>
               <a:pPr/>
-              <a:t>12/30/2016</a:t>
+              <a:t>2/11/2017</a:t>
             </a:fld>
             <a:endParaRPr lang="en-US"/>
           </a:p>
@@ -504,7 +505,7 @@
             <a:fld id="{303881E0-EDA0-4CAA-BDE9-D54759E7AE67}" type="datetimeFigureOut">
               <a:rPr lang="en-US" smtClean="0"/>
               <a:pPr/>
-              <a:t>12/30/2016</a:t>
+              <a:t>2/11/2017</a:t>
             </a:fld>
             <a:endParaRPr lang="en-US"/>
           </a:p>
@@ -681,7 +682,7 @@
             <a:fld id="{303881E0-EDA0-4CAA-BDE9-D54759E7AE67}" type="datetimeFigureOut">
               <a:rPr lang="en-US" smtClean="0"/>
               <a:pPr/>
-              <a:t>12/30/2016</a:t>
+              <a:t>2/11/2017</a:t>
             </a:fld>
             <a:endParaRPr lang="en-US"/>
           </a:p>
@@ -848,7 +849,7 @@
             <a:fld id="{303881E0-EDA0-4CAA-BDE9-D54759E7AE67}" type="datetimeFigureOut">
               <a:rPr lang="en-US" smtClean="0"/>
               <a:pPr/>
-              <a:t>12/30/2016</a:t>
+              <a:t>2/11/2017</a:t>
             </a:fld>
             <a:endParaRPr lang="en-US"/>
           </a:p>
@@ -1098,7 +1099,7 @@
             <a:fld id="{303881E0-EDA0-4CAA-BDE9-D54759E7AE67}" type="datetimeFigureOut">
               <a:rPr lang="en-US" smtClean="0"/>
               <a:pPr/>
-              <a:t>12/30/2016</a:t>
+              <a:t>2/11/2017</a:t>
             </a:fld>
             <a:endParaRPr lang="en-US"/>
           </a:p>
@@ -1418,7 +1419,7 @@
             <a:fld id="{303881E0-EDA0-4CAA-BDE9-D54759E7AE67}" type="datetimeFigureOut">
               <a:rPr lang="en-US" smtClean="0"/>
               <a:pPr/>
-              <a:t>12/30/2016</a:t>
+              <a:t>2/11/2017</a:t>
             </a:fld>
             <a:endParaRPr lang="en-US"/>
           </a:p>
@@ -1886,7 +1887,7 @@
             <a:fld id="{303881E0-EDA0-4CAA-BDE9-D54759E7AE67}" type="datetimeFigureOut">
               <a:rPr lang="en-US" smtClean="0"/>
               <a:pPr/>
-              <a:t>12/30/2016</a:t>
+              <a:t>2/11/2017</a:t>
             </a:fld>
             <a:endParaRPr lang="en-US"/>
           </a:p>
@@ -2036,7 +2037,7 @@
             <a:fld id="{303881E0-EDA0-4CAA-BDE9-D54759E7AE67}" type="datetimeFigureOut">
               <a:rPr lang="en-US" smtClean="0"/>
               <a:pPr/>
-              <a:t>12/30/2016</a:t>
+              <a:t>2/11/2017</a:t>
             </a:fld>
             <a:endParaRPr lang="en-US"/>
           </a:p>
@@ -2128,7 +2129,7 @@
             <a:fld id="{303881E0-EDA0-4CAA-BDE9-D54759E7AE67}" type="datetimeFigureOut">
               <a:rPr lang="en-US" smtClean="0"/>
               <a:pPr/>
-              <a:t>12/30/2016</a:t>
+              <a:t>2/11/2017</a:t>
             </a:fld>
             <a:endParaRPr lang="en-US"/>
           </a:p>
@@ -2404,7 +2405,7 @@
             <a:fld id="{303881E0-EDA0-4CAA-BDE9-D54759E7AE67}" type="datetimeFigureOut">
               <a:rPr lang="en-US" smtClean="0"/>
               <a:pPr/>
-              <a:t>12/30/2016</a:t>
+              <a:t>2/11/2017</a:t>
             </a:fld>
             <a:endParaRPr lang="en-US"/>
           </a:p>
@@ -2711,7 +2712,7 @@
             <a:fld id="{303881E0-EDA0-4CAA-BDE9-D54759E7AE67}" type="datetimeFigureOut">
               <a:rPr lang="en-US" smtClean="0"/>
               <a:pPr/>
-              <a:t>12/30/2016</a:t>
+              <a:t>2/11/2017</a:t>
             </a:fld>
             <a:endParaRPr lang="en-US"/>
           </a:p>
@@ -3011,7 +3012,7 @@
             <a:fld id="{303881E0-EDA0-4CAA-BDE9-D54759E7AE67}" type="datetimeFigureOut">
               <a:rPr lang="en-US" smtClean="0"/>
               <a:pPr/>
-              <a:t>12/30/2016</a:t>
+              <a:t>2/11/2017</a:t>
             </a:fld>
             <a:endParaRPr lang="en-US"/>
           </a:p>
@@ -3754,7 +3755,7 @@
     </p:spTree>
     <p:extLst>
       <p:ext uri="{BB962C8B-B14F-4D97-AF65-F5344CB8AC3E}">
-        <p14:creationId xmlns:p14="http://schemas.microsoft.com/office/powerpoint/2010/main" val="2505687080"/>
+        <p14:creationId xmlns:p14="http://schemas.microsoft.com/office/powerpoint/2010/main" xmlns="" val="2505687080"/>
       </p:ext>
     </p:extLst>
   </p:cSld>
@@ -4029,7 +4030,7 @@
     </p:spTree>
     <p:extLst>
       <p:ext uri="{BB962C8B-B14F-4D97-AF65-F5344CB8AC3E}">
-        <p14:creationId xmlns:p14="http://schemas.microsoft.com/office/powerpoint/2010/main" val="2290358762"/>
+        <p14:creationId xmlns:p14="http://schemas.microsoft.com/office/powerpoint/2010/main" xmlns="" val="2290358762"/>
       </p:ext>
     </p:extLst>
   </p:cSld>
@@ -4567,7 +4568,7 @@
     </p:spTree>
     <p:extLst>
       <p:ext uri="{BB962C8B-B14F-4D97-AF65-F5344CB8AC3E}">
-        <p14:creationId xmlns:p14="http://schemas.microsoft.com/office/powerpoint/2010/main" val="1706071063"/>
+        <p14:creationId xmlns:p14="http://schemas.microsoft.com/office/powerpoint/2010/main" xmlns="" val="1706071063"/>
       </p:ext>
     </p:extLst>
   </p:cSld>
@@ -4701,8 +4702,8 @@
               <a:buNone/>
             </a:pPr>
             <a:r>
-              <a:rPr lang="ja-JP" altLang="en-US" dirty="0" smtClean="0"/>
-              <a:t>★ </a:t>
+              <a:rPr lang="ja-JP" altLang="en-US" smtClean="0"/>
+              <a:t>★</a:t>
             </a:r>
             <a:r>
               <a:rPr lang="en-US" dirty="0" err="1" smtClean="0"/>
@@ -5073,12 +5074,8 @@
               <a:buNone/>
             </a:pPr>
             <a:r>
-              <a:rPr lang="ja-JP" altLang="en-US" dirty="0" smtClean="0"/>
+              <a:rPr lang="ja-JP" altLang="en-US" smtClean="0"/>
               <a:t>★</a:t>
-            </a:r>
-            <a:r>
-              <a:rPr lang="en-US" altLang="ja-JP" dirty="0" smtClean="0"/>
-              <a:t> </a:t>
             </a:r>
             <a:r>
               <a:rPr lang="en-US" altLang="ja-JP" dirty="0" err="1" smtClean="0"/>
@@ -5180,8 +5177,8 @@
               <a:buNone/>
             </a:pPr>
             <a:r>
-              <a:rPr lang="ja-JP" altLang="en-US" dirty="0" smtClean="0"/>
-              <a:t>★ </a:t>
+              <a:rPr lang="ja-JP" altLang="en-US" smtClean="0"/>
+              <a:t>★</a:t>
             </a:r>
             <a:r>
               <a:rPr lang="en-US" altLang="ja-JP" dirty="0" err="1" smtClean="0"/>
@@ -5269,7 +5266,7 @@
     </p:spTree>
     <p:extLst>
       <p:ext uri="{BB962C8B-B14F-4D97-AF65-F5344CB8AC3E}">
-        <p14:creationId xmlns:p14="http://schemas.microsoft.com/office/powerpoint/2010/main" val="4262241308"/>
+        <p14:creationId xmlns:p14="http://schemas.microsoft.com/office/powerpoint/2010/main" xmlns="" val="4262241308"/>
       </p:ext>
     </p:extLst>
   </p:cSld>
@@ -5320,38 +5317,60 @@
           </a:xfrm>
         </p:spPr>
         <p:txBody>
-          <a:bodyPr>
-            <a:normAutofit/>
-          </a:bodyPr>
+          <a:bodyPr/>
           <a:lstStyle/>
           <a:p>
             <a:r>
-              <a:rPr lang="en-US" dirty="0"/>
-              <a:t>2</a:t>
-            </a:r>
-            <a:r>
-              <a:rPr lang="en-US" dirty="0" smtClean="0"/>
-              <a:t>. Tiến </a:t>
-            </a:r>
-            <a:r>
-              <a:rPr lang="en-US" dirty="0" err="1" smtClean="0"/>
-              <a:t>độ</a:t>
-            </a:r>
-            <a:r>
-              <a:rPr lang="en-US" dirty="0" smtClean="0"/>
-              <a:t> </a:t>
-            </a:r>
-            <a:r>
-              <a:rPr lang="en-US" dirty="0" err="1" smtClean="0"/>
-              <a:t>nghiên</a:t>
-            </a:r>
-            <a:r>
-              <a:rPr lang="en-US" dirty="0" smtClean="0"/>
-              <a:t> </a:t>
-            </a:r>
-            <a:r>
-              <a:rPr lang="en-US" dirty="0" err="1" smtClean="0"/>
-              <a:t>cứu</a:t>
+              <a:rPr lang="en-US" dirty="0" smtClean="0"/>
+              <a:t>1. </a:t>
+            </a:r>
+            <a:r>
+              <a:rPr lang="en-US" dirty="0" err="1" smtClean="0"/>
+              <a:t>Thực</a:t>
+            </a:r>
+            <a:r>
+              <a:rPr lang="en-US" dirty="0" smtClean="0"/>
+              <a:t> </a:t>
+            </a:r>
+            <a:r>
+              <a:rPr lang="en-US" dirty="0" err="1" smtClean="0"/>
+              <a:t>hiện</a:t>
+            </a:r>
+            <a:r>
+              <a:rPr lang="en-US" dirty="0" smtClean="0"/>
+              <a:t> </a:t>
+            </a:r>
+            <a:r>
+              <a:rPr lang="en-US" dirty="0" err="1" smtClean="0"/>
+              <a:t>chương</a:t>
+            </a:r>
+            <a:r>
+              <a:rPr lang="en-US" dirty="0" smtClean="0"/>
+              <a:t> </a:t>
+            </a:r>
+            <a:r>
+              <a:rPr lang="en-US" dirty="0" err="1" smtClean="0"/>
+              <a:t>trình</a:t>
+            </a:r>
+            <a:r>
+              <a:rPr lang="en-US" dirty="0" smtClean="0"/>
+              <a:t> </a:t>
+            </a:r>
+            <a:r>
+              <a:rPr lang="en-US" dirty="0" err="1" smtClean="0"/>
+              <a:t>đào</a:t>
+            </a:r>
+            <a:r>
+              <a:rPr lang="en-US" dirty="0" smtClean="0"/>
+              <a:t> </a:t>
+            </a:r>
+            <a:r>
+              <a:rPr lang="en-US" dirty="0" err="1" smtClean="0"/>
+              <a:t>tạo</a:t>
+            </a:r>
+            <a:r>
+              <a:rPr lang="en-US" dirty="0" smtClean="0"/>
+              <a:t>(3)</a:t>
             </a:r>
             <a:endParaRPr lang="en-US" dirty="0"/>
           </a:p>
@@ -5370,22 +5389,78 @@
         <p:spPr>
           <a:xfrm>
             <a:off x="457200" y="1600200"/>
-            <a:ext cx="8229600" cy="4267200"/>
+            <a:ext cx="8229600" cy="4800600"/>
           </a:xfrm>
         </p:spPr>
         <p:txBody>
-          <a:bodyPr>
-            <a:normAutofit/>
-          </a:bodyPr>
+          <a:bodyPr/>
           <a:lstStyle/>
           <a:p>
             <a:pPr marL="0" indent="0" algn="just">
               <a:buNone/>
             </a:pPr>
             <a:r>
-              <a:rPr lang="en-US" dirty="0" smtClean="0"/>
-              <a:t>1, </a:t>
-            </a:r>
+              <a:rPr lang="ja-JP" altLang="en-US" smtClean="0"/>
+              <a:t>★</a:t>
+            </a:r>
+            <a:r>
+              <a:rPr lang="en-US" dirty="0" err="1" smtClean="0"/>
+              <a:t>Tiến</a:t>
+            </a:r>
+            <a:r>
+              <a:rPr lang="en-US" dirty="0" smtClean="0"/>
+              <a:t> </a:t>
+            </a:r>
+            <a:r>
+              <a:rPr lang="en-US" dirty="0" err="1" smtClean="0"/>
+              <a:t>độ</a:t>
+            </a:r>
+            <a:r>
+              <a:rPr lang="en-US" dirty="0" smtClean="0"/>
+              <a:t> </a:t>
+            </a:r>
+            <a:r>
+              <a:rPr lang="en-US" dirty="0" err="1" smtClean="0"/>
+              <a:t>viết</a:t>
+            </a:r>
+            <a:r>
+              <a:rPr lang="en-US" dirty="0" smtClean="0"/>
+              <a:t> </a:t>
+            </a:r>
+            <a:r>
+              <a:rPr lang="en-US" dirty="0" err="1" smtClean="0"/>
+              <a:t>luận</a:t>
+            </a:r>
+            <a:r>
+              <a:rPr lang="en-US" dirty="0" smtClean="0"/>
+              <a:t> </a:t>
+            </a:r>
+            <a:r>
+              <a:rPr lang="en-US" dirty="0" err="1" smtClean="0"/>
+              <a:t>án</a:t>
+            </a:r>
+            <a:r>
+              <a:rPr lang="en-US" dirty="0" smtClean="0"/>
+              <a:t> </a:t>
+            </a:r>
+            <a:r>
+              <a:rPr lang="en-US" dirty="0" err="1" smtClean="0"/>
+              <a:t>Tiến</a:t>
+            </a:r>
+            <a:r>
+              <a:rPr lang="en-US" dirty="0" smtClean="0"/>
+              <a:t> </a:t>
+            </a:r>
+            <a:r>
+              <a:rPr lang="en-US" dirty="0" err="1" smtClean="0"/>
+              <a:t>sĩ</a:t>
+            </a:r>
+            <a:endParaRPr lang="en-US" dirty="0" smtClean="0"/>
+          </a:p>
+          <a:p>
+            <a:pPr marL="457200" indent="-457200" algn="just">
+              <a:buNone/>
+            </a:pPr>
             <a:r>
               <a:rPr lang="en-US" dirty="0" err="1" smtClean="0"/>
               <a:t>Đã</a:t>
@@ -5396,190 +5471,126 @@
             </a:r>
             <a:r>
               <a:rPr lang="en-US" dirty="0" err="1" smtClean="0"/>
-              <a:t>có</a:t>
-            </a:r>
-            <a:r>
-              <a:rPr lang="en-US" dirty="0" smtClean="0"/>
-              <a:t> paper “</a:t>
-            </a:r>
-            <a:r>
-              <a:rPr lang="en-US" dirty="0"/>
-              <a:t>A Technique for Generating Test Data </a:t>
-            </a:r>
-            <a:r>
-              <a:rPr lang="en-US" dirty="0" smtClean="0"/>
-              <a:t>using</a:t>
-            </a:r>
-            <a:r>
-              <a:rPr lang="en-US" dirty="0"/>
-              <a:t> </a:t>
-            </a:r>
-            <a:r>
-              <a:rPr lang="en-US" dirty="0" smtClean="0"/>
-              <a:t>Genetic Algorithms” </a:t>
-            </a:r>
-            <a:r>
-              <a:rPr lang="en-US" dirty="0" err="1" smtClean="0"/>
-              <a:t>được</a:t>
-            </a:r>
-            <a:r>
-              <a:rPr lang="en-US" dirty="0" smtClean="0"/>
-              <a:t> accepted </a:t>
-            </a:r>
-            <a:r>
-              <a:rPr lang="en-US" dirty="0" err="1" smtClean="0"/>
-              <a:t>tại</a:t>
-            </a:r>
-            <a:r>
-              <a:rPr lang="en-US" dirty="0" smtClean="0"/>
-              <a:t> </a:t>
-            </a:r>
-            <a:r>
-              <a:rPr lang="en-US" dirty="0" err="1" smtClean="0"/>
-              <a:t>hội</a:t>
-            </a:r>
-            <a:r>
-              <a:rPr lang="en-US" dirty="0" smtClean="0"/>
-              <a:t> </a:t>
-            </a:r>
-            <a:r>
-              <a:rPr lang="en-US" dirty="0" err="1" smtClean="0"/>
-              <a:t>nghị</a:t>
-            </a:r>
-            <a:r>
-              <a:rPr lang="en-US" dirty="0" smtClean="0"/>
-              <a:t> </a:t>
-            </a:r>
-            <a:r>
-              <a:rPr lang="en-US" dirty="0" err="1" smtClean="0"/>
-              <a:t>ACOMP</a:t>
-            </a:r>
-            <a:r>
-              <a:rPr lang="en-US" dirty="0" smtClean="0"/>
-              <a:t> 2016 (indexed </a:t>
-            </a:r>
-            <a:r>
-              <a:rPr lang="en-US" dirty="0"/>
-              <a:t>by </a:t>
-            </a:r>
-            <a:r>
-              <a:rPr lang="en-US" dirty="0" err="1" smtClean="0"/>
-              <a:t>DBLP</a:t>
-            </a:r>
-            <a:r>
-              <a:rPr lang="en-US" dirty="0" smtClean="0"/>
-              <a:t>).</a:t>
-            </a:r>
-          </a:p>
-          <a:p>
-            <a:pPr marL="0" indent="0" algn="just">
+              <a:t>hoàn</a:t>
+            </a:r>
+            <a:r>
+              <a:rPr lang="en-US" dirty="0" smtClean="0"/>
+              <a:t> </a:t>
+            </a:r>
+            <a:r>
+              <a:rPr lang="en-US" dirty="0" err="1" smtClean="0"/>
+              <a:t>thành</a:t>
+            </a:r>
+            <a:r>
+              <a:rPr lang="en-US" dirty="0" smtClean="0"/>
+              <a:t> </a:t>
+            </a:r>
+            <a:r>
+              <a:rPr lang="en-US" dirty="0" err="1" smtClean="0"/>
+              <a:t>xong</a:t>
+            </a:r>
+            <a:r>
+              <a:rPr lang="en-US" dirty="0" smtClean="0"/>
+              <a:t> </a:t>
+            </a:r>
+            <a:r>
+              <a:rPr lang="en-US" dirty="0" err="1" smtClean="0"/>
+              <a:t>chương</a:t>
+            </a:r>
+            <a:r>
+              <a:rPr lang="en-US" dirty="0" smtClean="0"/>
+              <a:t> </a:t>
+            </a:r>
+            <a:r>
+              <a:rPr lang="en-US" dirty="0" err="1" smtClean="0"/>
+              <a:t>Mở</a:t>
+            </a:r>
+            <a:r>
+              <a:rPr lang="en-US" dirty="0" smtClean="0"/>
+              <a:t> </a:t>
+            </a:r>
+            <a:r>
+              <a:rPr lang="en-US" dirty="0" err="1" smtClean="0"/>
+              <a:t>đầu</a:t>
+            </a:r>
+            <a:r>
+              <a:rPr lang="en-US" dirty="0" smtClean="0"/>
+              <a:t> </a:t>
+            </a:r>
+            <a:r>
+              <a:rPr lang="en-US" dirty="0" err="1" smtClean="0"/>
+              <a:t>và</a:t>
+            </a:r>
+            <a:r>
+              <a:rPr lang="en-US" dirty="0" smtClean="0"/>
+              <a:t> </a:t>
+            </a:r>
+            <a:r>
+              <a:rPr lang="en-US" dirty="0" err="1" smtClean="0"/>
+              <a:t>chương</a:t>
+            </a:r>
+            <a:r>
+              <a:rPr lang="en-US" dirty="0" smtClean="0"/>
+              <a:t> 1 </a:t>
+            </a:r>
+            <a:r>
+              <a:rPr lang="en-US" dirty="0" err="1" smtClean="0"/>
+              <a:t>TỔNG</a:t>
+            </a:r>
+            <a:endParaRPr lang="en-US" dirty="0" smtClean="0"/>
+          </a:p>
+          <a:p>
+            <a:pPr marL="457200" indent="-457200" algn="just">
               <a:buNone/>
             </a:pPr>
+            <a:r>
+              <a:rPr lang="en-US" dirty="0" err="1" smtClean="0"/>
+              <a:t>QUAN</a:t>
+            </a:r>
+            <a:r>
+              <a:rPr lang="en-US" dirty="0" smtClean="0"/>
+              <a:t>, </a:t>
+            </a:r>
+            <a:r>
+              <a:rPr lang="en-US" dirty="0" err="1" smtClean="0"/>
+              <a:t>chương</a:t>
+            </a:r>
+            <a:r>
+              <a:rPr lang="en-US" dirty="0" smtClean="0"/>
+              <a:t> 2 </a:t>
+            </a:r>
+            <a:r>
+              <a:rPr lang="en-US" dirty="0" err="1" smtClean="0"/>
+              <a:t>KIẾN</a:t>
+            </a:r>
+            <a:r>
+              <a:rPr lang="en-US" dirty="0" smtClean="0"/>
+              <a:t> </a:t>
+            </a:r>
+            <a:r>
+              <a:rPr lang="en-US" dirty="0" err="1" smtClean="0"/>
+              <a:t>THỨC</a:t>
+            </a:r>
+            <a:r>
+              <a:rPr lang="en-US" dirty="0" smtClean="0"/>
+              <a:t> </a:t>
+            </a:r>
+            <a:r>
+              <a:rPr lang="en-US" dirty="0" err="1" smtClean="0"/>
+              <a:t>CƠ</a:t>
+            </a:r>
+            <a:r>
+              <a:rPr lang="en-US" dirty="0" smtClean="0"/>
+              <a:t> </a:t>
+            </a:r>
+            <a:r>
+              <a:rPr lang="en-US" dirty="0" err="1" smtClean="0"/>
+              <a:t>SỞ</a:t>
+            </a:r>
             <a:endParaRPr lang="en-US" dirty="0" smtClean="0"/>
           </a:p>
           <a:p>
-            <a:pPr marL="0" indent="0" algn="just">
-              <a:buNone/>
-            </a:pPr>
-            <a:r>
-              <a:rPr lang="en-US" dirty="0" smtClean="0"/>
-              <a:t>2, </a:t>
-            </a:r>
-            <a:r>
-              <a:rPr lang="en-US" dirty="0" err="1" smtClean="0"/>
-              <a:t>Đã</a:t>
-            </a:r>
-            <a:r>
-              <a:rPr lang="en-US" dirty="0" smtClean="0"/>
-              <a:t> </a:t>
-            </a:r>
-            <a:r>
-              <a:rPr lang="en-US" dirty="0" err="1" smtClean="0"/>
-              <a:t>có</a:t>
-            </a:r>
-            <a:r>
-              <a:rPr lang="en-US" dirty="0" smtClean="0"/>
-              <a:t> paper “Generation of Test Data using Genetic Algorithm and Constraint Solver” </a:t>
-            </a:r>
-            <a:r>
-              <a:rPr lang="en-US" dirty="0" err="1" smtClean="0"/>
-              <a:t>được</a:t>
-            </a:r>
-            <a:r>
-              <a:rPr lang="en-US" dirty="0" smtClean="0"/>
-              <a:t> accepted </a:t>
-            </a:r>
-            <a:r>
-              <a:rPr lang="en-US" dirty="0" err="1" smtClean="0"/>
-              <a:t>tại</a:t>
-            </a:r>
-            <a:r>
-              <a:rPr lang="en-US" dirty="0" smtClean="0"/>
-              <a:t> </a:t>
-            </a:r>
-            <a:r>
-              <a:rPr lang="en-US" dirty="0" err="1" smtClean="0"/>
-              <a:t>hội</a:t>
-            </a:r>
-            <a:r>
-              <a:rPr lang="en-US" dirty="0" smtClean="0"/>
-              <a:t> </a:t>
-            </a:r>
-            <a:r>
-              <a:rPr lang="en-US" dirty="0" err="1" smtClean="0"/>
-              <a:t>nghị</a:t>
-            </a:r>
-            <a:r>
-              <a:rPr lang="en-US" dirty="0" smtClean="0"/>
-              <a:t>  </a:t>
-            </a:r>
-            <a:r>
-              <a:rPr lang="en-US" dirty="0" err="1" smtClean="0"/>
-              <a:t>ACIIDS</a:t>
-            </a:r>
-            <a:r>
-              <a:rPr lang="en-US" dirty="0" smtClean="0"/>
-              <a:t> 2017 (Springer SCI book).</a:t>
-            </a:r>
-          </a:p>
-          <a:p>
-            <a:pPr marL="0" indent="0" algn="just">
-              <a:buNone/>
-            </a:pPr>
-            <a:endParaRPr lang="en-US" dirty="0"/>
-          </a:p>
-          <a:p>
-            <a:pPr marL="0" indent="0" algn="just">
-              <a:buNone/>
-            </a:pPr>
-            <a:r>
-              <a:rPr lang="en-US" dirty="0" smtClean="0"/>
-              <a:t>3, </a:t>
-            </a:r>
-            <a:r>
-              <a:rPr lang="en-US" dirty="0" err="1"/>
-              <a:t>Đã</a:t>
-            </a:r>
-            <a:r>
-              <a:rPr lang="en-US" dirty="0"/>
-              <a:t> submit paper </a:t>
-            </a:r>
-            <a:r>
-              <a:rPr lang="en-US" dirty="0" smtClean="0"/>
-              <a:t>“” </a:t>
-            </a:r>
-            <a:r>
-              <a:rPr lang="en-US" dirty="0" err="1" smtClean="0"/>
-              <a:t>tại</a:t>
-            </a:r>
-            <a:r>
-              <a:rPr lang="en-US" dirty="0" smtClean="0"/>
-              <a:t> </a:t>
-            </a:r>
-            <a:endParaRPr lang="en-US" dirty="0"/>
-          </a:p>
-          <a:p>
-            <a:pPr marL="0" indent="0" algn="just">
+            <a:pPr marL="457200" indent="-457200" algn="just">
               <a:buNone/>
             </a:pPr>
             <a:endParaRPr lang="en-US" dirty="0" smtClean="0"/>
@@ -5589,7 +5600,7 @@
     </p:spTree>
     <p:extLst>
       <p:ext uri="{BB962C8B-B14F-4D97-AF65-F5344CB8AC3E}">
-        <p14:creationId xmlns:p14="http://schemas.microsoft.com/office/powerpoint/2010/main" val="486911666"/>
+        <p14:creationId xmlns:p14="http://schemas.microsoft.com/office/powerpoint/2010/main" xmlns="" val="4262241308"/>
       </p:ext>
     </p:extLst>
   </p:cSld>
@@ -5640,56 +5651,38 @@
           </a:xfrm>
         </p:spPr>
         <p:txBody>
-          <a:bodyPr/>
+          <a:bodyPr>
+            <a:normAutofit/>
+          </a:bodyPr>
           <a:lstStyle/>
           <a:p>
             <a:r>
-              <a:rPr lang="en-US" dirty="0" smtClean="0"/>
-              <a:t>3. </a:t>
-            </a:r>
-            <a:r>
-              <a:rPr lang="en-US" dirty="0" err="1" smtClean="0"/>
-              <a:t>Kế</a:t>
-            </a:r>
-            <a:r>
-              <a:rPr lang="en-US" dirty="0" smtClean="0"/>
-              <a:t> </a:t>
-            </a:r>
-            <a:r>
-              <a:rPr lang="en-US" dirty="0" err="1" smtClean="0"/>
-              <a:t>hoạch</a:t>
-            </a:r>
-            <a:r>
-              <a:rPr lang="en-US" dirty="0" smtClean="0"/>
-              <a:t> </a:t>
-            </a:r>
-            <a:r>
-              <a:rPr lang="en-US" dirty="0" err="1" smtClean="0"/>
-              <a:t>thực</a:t>
-            </a:r>
-            <a:r>
-              <a:rPr lang="en-US" dirty="0" smtClean="0"/>
-              <a:t> </a:t>
-            </a:r>
-            <a:r>
-              <a:rPr lang="en-US" dirty="0" err="1" smtClean="0"/>
-              <a:t>hiện</a:t>
-            </a:r>
-            <a:r>
-              <a:rPr lang="en-US" dirty="0" smtClean="0"/>
-              <a:t> </a:t>
-            </a:r>
-            <a:r>
-              <a:rPr lang="en-US" dirty="0" err="1" smtClean="0"/>
-              <a:t>tiếp</a:t>
-            </a:r>
-            <a:r>
-              <a:rPr lang="en-US" dirty="0" smtClean="0"/>
-              <a:t> </a:t>
-            </a:r>
-            <a:r>
-              <a:rPr lang="en-US" dirty="0" err="1" smtClean="0"/>
-              <a:t>theo</a:t>
+              <a:rPr lang="en-US" dirty="0"/>
+              <a:t>2</a:t>
+            </a:r>
+            <a:r>
+              <a:rPr lang="en-US" dirty="0" smtClean="0"/>
+              <a:t>. Tiến </a:t>
+            </a:r>
+            <a:r>
+              <a:rPr lang="en-US" dirty="0" err="1" smtClean="0"/>
+              <a:t>độ</a:t>
+            </a:r>
+            <a:r>
+              <a:rPr lang="en-US" dirty="0" smtClean="0"/>
+              <a:t> </a:t>
+            </a:r>
+            <a:r>
+              <a:rPr lang="en-US" dirty="0" err="1" smtClean="0"/>
+              <a:t>nghiên</a:t>
+            </a:r>
+            <a:r>
+              <a:rPr lang="en-US" dirty="0" smtClean="0"/>
+              <a:t> </a:t>
+            </a:r>
+            <a:r>
+              <a:rPr lang="en-US" dirty="0" err="1" smtClean="0"/>
+              <a:t>cứu</a:t>
             </a:r>
             <a:endParaRPr lang="en-US" dirty="0"/>
           </a:p>
@@ -5708,43 +5701,50 @@
         <p:spPr>
           <a:xfrm>
             <a:off x="457200" y="1600200"/>
-            <a:ext cx="8229600" cy="2286000"/>
+            <a:ext cx="8229600" cy="4267200"/>
           </a:xfrm>
         </p:spPr>
         <p:txBody>
-          <a:bodyPr/>
+          <a:bodyPr>
+            <a:normAutofit/>
+          </a:bodyPr>
           <a:lstStyle/>
           <a:p>
-            <a:pPr marL="0" indent="0" algn="just">
-              <a:buNone/>
+            <a:pPr marL="457200" indent="-457200" algn="just">
+              <a:buFont typeface="+mj-lt"/>
+              <a:buAutoNum type="arabicPeriod"/>
             </a:pPr>
             <a:r>
-              <a:rPr lang="en-US" dirty="0" smtClean="0"/>
-              <a:t>Trong </a:t>
-            </a:r>
-            <a:r>
-              <a:rPr lang="en-US" dirty="0" err="1" smtClean="0"/>
-              <a:t>năm</a:t>
-            </a:r>
-            <a:r>
-              <a:rPr lang="en-US" dirty="0" smtClean="0"/>
-              <a:t> 2017 </a:t>
-            </a:r>
-            <a:r>
-              <a:rPr lang="en-US" dirty="0" err="1" smtClean="0"/>
-              <a:t>viết</a:t>
-            </a:r>
-            <a:r>
-              <a:rPr lang="en-US" dirty="0" smtClean="0"/>
-              <a:t> </a:t>
-            </a:r>
-            <a:r>
-              <a:rPr lang="en-US" dirty="0" err="1" smtClean="0"/>
-              <a:t>tiếp</a:t>
-            </a:r>
-            <a:r>
-              <a:rPr lang="en-US" dirty="0" smtClean="0"/>
-              <a:t> </a:t>
+              <a:rPr lang="en-US" dirty="0" err="1" smtClean="0"/>
+              <a:t>Đã</a:t>
+            </a:r>
+            <a:r>
+              <a:rPr lang="en-US" dirty="0" smtClean="0"/>
+              <a:t> </a:t>
+            </a:r>
+            <a:r>
+              <a:rPr lang="en-US" dirty="0" err="1" smtClean="0"/>
+              <a:t>có</a:t>
+            </a:r>
+            <a:r>
+              <a:rPr lang="en-US" dirty="0" smtClean="0"/>
+              <a:t> paper “</a:t>
+            </a:r>
+            <a:r>
+              <a:rPr lang="en-US" dirty="0"/>
+              <a:t>A Technique for Generating Test Data </a:t>
+            </a:r>
+            <a:r>
+              <a:rPr lang="en-US" dirty="0" smtClean="0"/>
+              <a:t>using</a:t>
+            </a:r>
+            <a:r>
+              <a:rPr lang="en-US" dirty="0"/>
+              <a:t> </a:t>
+            </a:r>
+            <a:r>
+              <a:rPr lang="en-US" dirty="0" smtClean="0"/>
+              <a:t>Genetic Algorithms” </a:t>
             </a:r>
             <a:r>
               <a:rPr lang="en-US" dirty="0" err="1" smtClean="0"/>
@@ -5752,63 +5752,145 @@
             </a:r>
             <a:r>
               <a:rPr lang="en-US" dirty="0" smtClean="0"/>
-              <a:t> 2 papers </a:t>
-            </a:r>
-            <a:r>
-              <a:rPr lang="en-US" dirty="0" err="1" smtClean="0"/>
-              <a:t>liên</a:t>
-            </a:r>
-            <a:r>
-              <a:rPr lang="en-US" dirty="0" smtClean="0"/>
-              <a:t> quan </a:t>
-            </a:r>
-            <a:r>
-              <a:rPr lang="en-US" dirty="0" err="1" smtClean="0"/>
-              <a:t>đến</a:t>
-            </a:r>
-            <a:r>
-              <a:rPr lang="en-US" dirty="0" smtClean="0"/>
-              <a:t> </a:t>
-            </a:r>
-            <a:r>
-              <a:rPr lang="en-US" dirty="0" err="1" smtClean="0"/>
-              <a:t>chủ</a:t>
-            </a:r>
-            <a:r>
-              <a:rPr lang="en-US" dirty="0" smtClean="0"/>
-              <a:t> </a:t>
-            </a:r>
-            <a:r>
-              <a:rPr lang="en-US" dirty="0" err="1" smtClean="0"/>
-              <a:t>đề</a:t>
-            </a:r>
-            <a:r>
-              <a:rPr lang="en-US" dirty="0" smtClean="0"/>
-              <a:t> </a:t>
-            </a:r>
-            <a:r>
-              <a:rPr lang="en-US" dirty="0" err="1" smtClean="0"/>
-              <a:t>nghiên</a:t>
-            </a:r>
-            <a:r>
-              <a:rPr lang="en-US" dirty="0" smtClean="0"/>
-              <a:t> </a:t>
-            </a:r>
-            <a:r>
-              <a:rPr lang="en-US" dirty="0" err="1" smtClean="0"/>
-              <a:t>cứu</a:t>
-            </a:r>
-            <a:r>
-              <a:rPr lang="en-US" dirty="0" smtClean="0"/>
-              <a:t>.</a:t>
-            </a:r>
-            <a:endParaRPr lang="en-US" dirty="0" smtClean="0"/>
-          </a:p>
-          <a:p>
-            <a:pPr marL="0" indent="0" algn="just">
-              <a:buNone/>
+              <a:t> accepted </a:t>
+            </a:r>
+            <a:r>
+              <a:rPr lang="en-US" dirty="0" err="1" smtClean="0"/>
+              <a:t>tại</a:t>
+            </a:r>
+            <a:r>
+              <a:rPr lang="en-US" dirty="0" smtClean="0"/>
+              <a:t> </a:t>
+            </a:r>
+            <a:r>
+              <a:rPr lang="en-US" dirty="0" err="1" smtClean="0"/>
+              <a:t>hội</a:t>
+            </a:r>
+            <a:r>
+              <a:rPr lang="en-US" dirty="0" smtClean="0"/>
+              <a:t> </a:t>
+            </a:r>
+            <a:r>
+              <a:rPr lang="en-US" dirty="0" err="1" smtClean="0"/>
+              <a:t>nghị</a:t>
+            </a:r>
+            <a:r>
+              <a:rPr lang="en-US" dirty="0" smtClean="0"/>
+              <a:t> </a:t>
+            </a:r>
+            <a:r>
+              <a:rPr lang="en-US" dirty="0" err="1" smtClean="0"/>
+              <a:t>ACOMP</a:t>
+            </a:r>
+            <a:r>
+              <a:rPr lang="en-US" dirty="0" smtClean="0"/>
+              <a:t> 2016 (indexed </a:t>
+            </a:r>
+            <a:r>
+              <a:rPr lang="en-US" dirty="0"/>
+              <a:t>by </a:t>
+            </a:r>
+            <a:r>
+              <a:rPr lang="en-US" dirty="0" err="1" smtClean="0"/>
+              <a:t>DBLP</a:t>
+            </a:r>
+            <a:r>
+              <a:rPr lang="en-US" dirty="0" smtClean="0"/>
+              <a:t>).</a:t>
+            </a:r>
+          </a:p>
+          <a:p>
+            <a:pPr marL="457200" indent="-457200" algn="just">
+              <a:buFont typeface="+mj-lt"/>
+              <a:buAutoNum type="arabicPeriod"/>
             </a:pPr>
-            <a:endParaRPr lang="en-US" dirty="0" smtClean="0"/>
+            <a:r>
+              <a:rPr lang="en-US" dirty="0" err="1" smtClean="0"/>
+              <a:t>Đã</a:t>
+            </a:r>
+            <a:r>
+              <a:rPr lang="en-US" dirty="0" smtClean="0"/>
+              <a:t> </a:t>
+            </a:r>
+            <a:r>
+              <a:rPr lang="en-US" dirty="0" err="1" smtClean="0"/>
+              <a:t>có</a:t>
+            </a:r>
+            <a:r>
+              <a:rPr lang="en-US" dirty="0" smtClean="0"/>
+              <a:t> paper “Generation of Test Data using Genetic Algorithm and Constraint Solver” </a:t>
+            </a:r>
+            <a:r>
+              <a:rPr lang="en-US" dirty="0" err="1" smtClean="0"/>
+              <a:t>được</a:t>
+            </a:r>
+            <a:r>
+              <a:rPr lang="en-US" dirty="0" smtClean="0"/>
+              <a:t> accepted </a:t>
+            </a:r>
+            <a:r>
+              <a:rPr lang="en-US" dirty="0" err="1" smtClean="0"/>
+              <a:t>tại</a:t>
+            </a:r>
+            <a:r>
+              <a:rPr lang="en-US" dirty="0" smtClean="0"/>
+              <a:t> </a:t>
+            </a:r>
+            <a:r>
+              <a:rPr lang="en-US" dirty="0" err="1" smtClean="0"/>
+              <a:t>hội</a:t>
+            </a:r>
+            <a:r>
+              <a:rPr lang="en-US" dirty="0" smtClean="0"/>
+              <a:t> </a:t>
+            </a:r>
+            <a:r>
+              <a:rPr lang="en-US" dirty="0" err="1" smtClean="0"/>
+              <a:t>nghị</a:t>
+            </a:r>
+            <a:r>
+              <a:rPr lang="en-US" dirty="0" smtClean="0"/>
+              <a:t>  </a:t>
+            </a:r>
+            <a:r>
+              <a:rPr lang="en-US" dirty="0" err="1" smtClean="0"/>
+              <a:t>ACIIDS</a:t>
+            </a:r>
+            <a:r>
+              <a:rPr lang="en-US" dirty="0" smtClean="0"/>
+              <a:t> 2017 (Springer SCI book).</a:t>
+            </a:r>
+          </a:p>
+          <a:p>
+            <a:pPr marL="457200" indent="-457200" algn="just">
+              <a:buFont typeface="+mj-lt"/>
+              <a:buAutoNum type="arabicPeriod"/>
+            </a:pPr>
+            <a:r>
+              <a:rPr lang="en-US" dirty="0" err="1" smtClean="0"/>
+              <a:t>Đã</a:t>
+            </a:r>
+            <a:r>
+              <a:rPr lang="en-US" dirty="0" smtClean="0"/>
+              <a:t> </a:t>
+            </a:r>
+            <a:r>
+              <a:rPr lang="en-US" dirty="0"/>
+              <a:t>submit paper </a:t>
+            </a:r>
+            <a:r>
+              <a:rPr lang="en-US" dirty="0" smtClean="0"/>
+              <a:t>“Parallel Particle Swarm Optimization-based Test Data Generation for Path Coverage Testing” </a:t>
+            </a:r>
+            <a:r>
+              <a:rPr lang="en-US" dirty="0" err="1" smtClean="0"/>
+              <a:t>tại</a:t>
+            </a:r>
+            <a:r>
+              <a:rPr lang="en-US" dirty="0" smtClean="0"/>
+              <a:t> </a:t>
+            </a:r>
+            <a:endParaRPr lang="en-US" dirty="0"/>
           </a:p>
           <a:p>
             <a:pPr marL="0" indent="0" algn="just">
@@ -5821,7 +5903,7 @@
     </p:spTree>
     <p:extLst>
       <p:ext uri="{BB962C8B-B14F-4D97-AF65-F5344CB8AC3E}">
-        <p14:creationId xmlns:p14="http://schemas.microsoft.com/office/powerpoint/2010/main" val="3136962569"/>
+        <p14:creationId xmlns:p14="http://schemas.microsoft.com/office/powerpoint/2010/main" xmlns="" val="486911666"/>
       </p:ext>
     </p:extLst>
   </p:cSld>
@@ -5876,40 +5958,52 @@
           <a:lstStyle/>
           <a:p>
             <a:r>
-              <a:rPr lang="en-US" dirty="0"/>
-              <a:t>4</a:t>
-            </a:r>
-            <a:r>
-              <a:rPr lang="en-US" dirty="0" smtClean="0"/>
-              <a:t>. </a:t>
-            </a:r>
-            <a:r>
-              <a:rPr lang="en-US" dirty="0" err="1" smtClean="0"/>
-              <a:t>Các</a:t>
-            </a:r>
-            <a:r>
-              <a:rPr lang="en-US" dirty="0" smtClean="0"/>
-              <a:t> </a:t>
-            </a:r>
-            <a:r>
-              <a:rPr lang="en-US" dirty="0" err="1" smtClean="0"/>
-              <a:t>vấn</a:t>
-            </a:r>
-            <a:r>
-              <a:rPr lang="en-US" dirty="0" smtClean="0"/>
-              <a:t> </a:t>
-            </a:r>
-            <a:r>
-              <a:rPr lang="en-US" dirty="0" err="1" smtClean="0"/>
-              <a:t>đề</a:t>
-            </a:r>
-            <a:r>
-              <a:rPr lang="en-US" dirty="0" smtClean="0"/>
-              <a:t> </a:t>
-            </a:r>
-            <a:r>
-              <a:rPr lang="en-US" dirty="0" err="1" smtClean="0"/>
-              <a:t>khác</a:t>
+              <a:rPr lang="en-US" dirty="0" smtClean="0"/>
+              <a:t>3. </a:t>
+            </a:r>
+            <a:r>
+              <a:rPr lang="en-US" dirty="0" err="1" smtClean="0"/>
+              <a:t>Kế</a:t>
+            </a:r>
+            <a:r>
+              <a:rPr lang="en-US" dirty="0" smtClean="0"/>
+              <a:t> </a:t>
+            </a:r>
+            <a:r>
+              <a:rPr lang="en-US" dirty="0" err="1" smtClean="0"/>
+              <a:t>hoạch</a:t>
+            </a:r>
+            <a:r>
+              <a:rPr lang="en-US" dirty="0" smtClean="0"/>
+              <a:t> </a:t>
+            </a:r>
+            <a:r>
+              <a:rPr lang="en-US" dirty="0" err="1" smtClean="0"/>
+              <a:t>thực</a:t>
+            </a:r>
+            <a:r>
+              <a:rPr lang="en-US" dirty="0" smtClean="0"/>
+              <a:t> </a:t>
+            </a:r>
+            <a:r>
+              <a:rPr lang="en-US" dirty="0" err="1" smtClean="0"/>
+              <a:t>hiện</a:t>
+            </a:r>
+            <a:r>
+              <a:rPr lang="en-US" dirty="0" smtClean="0"/>
+              <a:t> </a:t>
+            </a:r>
+            <a:r>
+              <a:rPr lang="en-US" dirty="0" err="1" smtClean="0"/>
+              <a:t>tiếp</a:t>
+            </a:r>
+            <a:r>
+              <a:rPr lang="en-US" dirty="0" smtClean="0"/>
+              <a:t> </a:t>
+            </a:r>
+            <a:r>
+              <a:rPr lang="en-US" dirty="0" err="1" smtClean="0"/>
+              <a:t>theo</a:t>
             </a:r>
             <a:endParaRPr lang="en-US" dirty="0"/>
           </a:p>
@@ -5925,26 +6019,250 @@
             <p:ph idx="1"/>
           </p:nvPr>
         </p:nvSpPr>
-        <p:spPr/>
+        <p:spPr>
+          <a:xfrm>
+            <a:off x="457200" y="1600200"/>
+            <a:ext cx="8229600" cy="2286000"/>
+          </a:xfrm>
+        </p:spPr>
         <p:txBody>
           <a:bodyPr/>
           <a:lstStyle/>
           <a:p>
-            <a:pPr marL="0" indent="0">
-              <a:buNone/>
+            <a:pPr marL="457200" indent="-457200" algn="just">
+              <a:buFont typeface="+mj-lt"/>
+              <a:buAutoNum type="arabicPeriod"/>
             </a:pPr>
             <a:r>
-              <a:rPr lang="en-US" dirty="0" err="1" smtClean="0"/>
-              <a:t>Không</a:t>
-            </a:r>
-            <a:r>
-              <a:rPr lang="en-US" dirty="0" smtClean="0"/>
-              <a:t> </a:t>
-            </a:r>
-            <a:r>
-              <a:rPr lang="en-US" dirty="0" err="1" smtClean="0"/>
-              <a:t>có</a:t>
-            </a:r>
+              <a:rPr lang="en-US" dirty="0" smtClean="0"/>
+              <a:t>Trong </a:t>
+            </a:r>
+            <a:r>
+              <a:rPr lang="en-US" dirty="0" err="1" smtClean="0"/>
+              <a:t>năm</a:t>
+            </a:r>
+            <a:r>
+              <a:rPr lang="en-US" dirty="0" smtClean="0"/>
+              <a:t> 2017 </a:t>
+            </a:r>
+            <a:r>
+              <a:rPr lang="en-US" dirty="0" err="1" smtClean="0"/>
+              <a:t>viết</a:t>
+            </a:r>
+            <a:r>
+              <a:rPr lang="en-US" dirty="0" smtClean="0"/>
+              <a:t> </a:t>
+            </a:r>
+            <a:r>
+              <a:rPr lang="en-US" dirty="0" err="1" smtClean="0"/>
+              <a:t>tiếp</a:t>
+            </a:r>
+            <a:r>
+              <a:rPr lang="en-US" dirty="0" smtClean="0"/>
+              <a:t> </a:t>
+            </a:r>
+            <a:r>
+              <a:rPr lang="en-US" dirty="0" err="1" smtClean="0"/>
+              <a:t>được</a:t>
+            </a:r>
+            <a:r>
+              <a:rPr lang="en-US" dirty="0" smtClean="0"/>
+              <a:t> 2 papers </a:t>
+            </a:r>
+            <a:r>
+              <a:rPr lang="en-US" dirty="0" err="1" smtClean="0"/>
+              <a:t>liên</a:t>
+            </a:r>
+            <a:r>
+              <a:rPr lang="en-US" dirty="0" smtClean="0"/>
+              <a:t> quan </a:t>
+            </a:r>
+            <a:r>
+              <a:rPr lang="en-US" dirty="0" err="1" smtClean="0"/>
+              <a:t>đến</a:t>
+            </a:r>
+            <a:r>
+              <a:rPr lang="en-US" dirty="0" smtClean="0"/>
+              <a:t> </a:t>
+            </a:r>
+            <a:r>
+              <a:rPr lang="en-US" dirty="0" err="1" smtClean="0"/>
+              <a:t>chủ</a:t>
+            </a:r>
+            <a:r>
+              <a:rPr lang="en-US" dirty="0" smtClean="0"/>
+              <a:t> </a:t>
+            </a:r>
+            <a:r>
+              <a:rPr lang="en-US" dirty="0" err="1" smtClean="0"/>
+              <a:t>đề</a:t>
+            </a:r>
+            <a:r>
+              <a:rPr lang="en-US" dirty="0" smtClean="0"/>
+              <a:t> </a:t>
+            </a:r>
+            <a:r>
+              <a:rPr lang="en-US" dirty="0" err="1" smtClean="0"/>
+              <a:t>nghiên</a:t>
+            </a:r>
+            <a:r>
+              <a:rPr lang="en-US" dirty="0" smtClean="0"/>
+              <a:t> </a:t>
+            </a:r>
+            <a:r>
+              <a:rPr lang="en-US" dirty="0" err="1" smtClean="0"/>
+              <a:t>cứu</a:t>
+            </a:r>
+            <a:r>
+              <a:rPr lang="en-US" dirty="0" smtClean="0"/>
+              <a:t>.</a:t>
+            </a:r>
+          </a:p>
+          <a:p>
+            <a:pPr marL="457200" indent="-457200" algn="just">
+              <a:buFont typeface="+mj-lt"/>
+              <a:buAutoNum type="arabicPeriod"/>
+            </a:pPr>
+            <a:r>
+              <a:rPr lang="en-US" dirty="0" err="1" smtClean="0"/>
+              <a:t>Sử</a:t>
+            </a:r>
+            <a:r>
+              <a:rPr lang="en-US" dirty="0" smtClean="0"/>
+              <a:t> </a:t>
+            </a:r>
+            <a:r>
+              <a:rPr lang="en-US" dirty="0" err="1" smtClean="0"/>
+              <a:t>dụng</a:t>
+            </a:r>
+            <a:r>
+              <a:rPr lang="en-US" dirty="0" smtClean="0"/>
+              <a:t> </a:t>
+            </a:r>
+            <a:r>
+              <a:rPr lang="en-US" dirty="0" err="1" smtClean="0"/>
+              <a:t>các</a:t>
+            </a:r>
+            <a:r>
+              <a:rPr lang="en-US" dirty="0" smtClean="0"/>
+              <a:t> paper </a:t>
+            </a:r>
+            <a:r>
+              <a:rPr lang="en-US" dirty="0" err="1" smtClean="0"/>
+              <a:t>đã</a:t>
+            </a:r>
+            <a:r>
+              <a:rPr lang="en-US" dirty="0" smtClean="0"/>
+              <a:t> </a:t>
+            </a:r>
+            <a:r>
+              <a:rPr lang="en-US" dirty="0" err="1" smtClean="0"/>
+              <a:t>được</a:t>
+            </a:r>
+            <a:r>
+              <a:rPr lang="en-US" dirty="0" smtClean="0"/>
+              <a:t> accepted, </a:t>
+            </a:r>
+            <a:r>
+              <a:rPr lang="en-US" dirty="0" err="1" smtClean="0"/>
+              <a:t>h</a:t>
+            </a:r>
+            <a:r>
+              <a:rPr lang="en-US" dirty="0" err="1" smtClean="0"/>
+              <a:t>oàn</a:t>
+            </a:r>
+            <a:r>
+              <a:rPr lang="en-US" dirty="0" smtClean="0"/>
+              <a:t> </a:t>
+            </a:r>
+            <a:r>
+              <a:rPr lang="en-US" dirty="0" err="1" smtClean="0"/>
+              <a:t>thành</a:t>
+            </a:r>
+            <a:r>
+              <a:rPr lang="en-US" dirty="0" smtClean="0"/>
+              <a:t> </a:t>
+            </a:r>
+            <a:r>
+              <a:rPr lang="en-US" dirty="0" err="1" smtClean="0"/>
+              <a:t>xong</a:t>
+            </a:r>
+            <a:r>
+              <a:rPr lang="en-US" dirty="0" smtClean="0"/>
+              <a:t> </a:t>
+            </a:r>
+            <a:r>
+              <a:rPr lang="en-US" dirty="0" err="1" smtClean="0"/>
+              <a:t>các</a:t>
+            </a:r>
+            <a:r>
+              <a:rPr lang="en-US" dirty="0" smtClean="0"/>
+              <a:t> </a:t>
+            </a:r>
+            <a:r>
+              <a:rPr lang="en-US" dirty="0" err="1" smtClean="0"/>
+              <a:t>chương</a:t>
+            </a:r>
+            <a:r>
+              <a:rPr lang="en-US" dirty="0" smtClean="0"/>
+              <a:t> 3, </a:t>
+            </a:r>
+            <a:r>
+              <a:rPr lang="en-US" dirty="0" err="1" smtClean="0"/>
+              <a:t>chương</a:t>
+            </a:r>
+            <a:r>
+              <a:rPr lang="en-US" dirty="0" smtClean="0"/>
+              <a:t> 4 </a:t>
+            </a:r>
+            <a:r>
+              <a:rPr lang="en-US" dirty="0" err="1" smtClean="0"/>
+              <a:t>của</a:t>
+            </a:r>
+            <a:r>
+              <a:rPr lang="en-US" dirty="0" smtClean="0"/>
+              <a:t> </a:t>
+            </a:r>
+            <a:r>
+              <a:rPr lang="en-US" dirty="0" err="1" smtClean="0"/>
+              <a:t>luận</a:t>
+            </a:r>
+            <a:r>
+              <a:rPr lang="en-US" dirty="0" smtClean="0"/>
+              <a:t> </a:t>
+            </a:r>
+            <a:r>
+              <a:rPr lang="en-US" dirty="0" err="1" smtClean="0"/>
+              <a:t>án</a:t>
+            </a:r>
+            <a:r>
+              <a:rPr lang="en-US" dirty="0" smtClean="0"/>
+              <a:t> </a:t>
+            </a:r>
+            <a:r>
+              <a:rPr lang="en-US" dirty="0" err="1" smtClean="0"/>
+              <a:t>Tiến</a:t>
+            </a:r>
+            <a:r>
+              <a:rPr lang="en-US" dirty="0" smtClean="0"/>
+              <a:t> </a:t>
+            </a:r>
+            <a:r>
+              <a:rPr lang="en-US" dirty="0" err="1" smtClean="0"/>
+              <a:t>sĩ</a:t>
+            </a:r>
+            <a:endParaRPr lang="en-US" dirty="0" smtClean="0"/>
+          </a:p>
+          <a:p>
+            <a:pPr marL="0" indent="0" algn="just">
+              <a:buNone/>
+            </a:pPr>
+            <a:endParaRPr lang="en-US" dirty="0" smtClean="0"/>
+          </a:p>
+          <a:p>
+            <a:pPr marL="0" indent="0" algn="just">
+              <a:buNone/>
+            </a:pPr>
             <a:endParaRPr lang="en-US" dirty="0" smtClean="0"/>
           </a:p>
         </p:txBody>
@@ -5952,7 +6270,138 @@
     </p:spTree>
     <p:extLst>
       <p:ext uri="{BB962C8B-B14F-4D97-AF65-F5344CB8AC3E}">
-        <p14:creationId xmlns:p14="http://schemas.microsoft.com/office/powerpoint/2010/main" val="1441455490"/>
+        <p14:creationId xmlns:p14="http://schemas.microsoft.com/office/powerpoint/2010/main" xmlns="" val="3136962569"/>
+      </p:ext>
+    </p:extLst>
+  </p:cSld>
+  <p:clrMapOvr>
+    <a:masterClrMapping/>
+  </p:clrMapOvr>
+  <p:timing>
+    <p:tnLst>
+      <p:par>
+        <p:cTn id="1" dur="indefinite" restart="never" nodeType="tmRoot"/>
+      </p:par>
+    </p:tnLst>
+  </p:timing>
+</p:sld>
+</file>
+
+<file path=ppt/slides/slide8.xml><?xml version="1.0" encoding="utf-8"?>
+<p:sld xmlns:a="http://schemas.openxmlformats.org/drawingml/2006/main" xmlns:r="http://schemas.openxmlformats.org/officeDocument/2006/relationships" xmlns:p="http://schemas.openxmlformats.org/presentationml/2006/main">
+  <p:cSld>
+    <p:spTree>
+      <p:nvGrpSpPr>
+        <p:cNvPr id="1" name=""/>
+        <p:cNvGrpSpPr/>
+        <p:nvPr/>
+      </p:nvGrpSpPr>
+      <p:grpSpPr>
+        <a:xfrm>
+          <a:off x="0" y="0"/>
+          <a:ext cx="0" cy="0"/>
+          <a:chOff x="0" y="0"/>
+          <a:chExt cx="0" cy="0"/>
+        </a:xfrm>
+      </p:grpSpPr>
+      <p:sp>
+        <p:nvSpPr>
+          <p:cNvPr id="2" name="Title 1"/>
+          <p:cNvSpPr>
+            <a:spLocks noGrp="1"/>
+          </p:cNvSpPr>
+          <p:nvPr>
+            <p:ph type="title"/>
+          </p:nvPr>
+        </p:nvSpPr>
+        <p:spPr>
+          <a:xfrm>
+            <a:off x="302840" y="533400"/>
+            <a:ext cx="8229600" cy="990600"/>
+          </a:xfrm>
+        </p:spPr>
+        <p:txBody>
+          <a:bodyPr/>
+          <a:lstStyle/>
+          <a:p>
+            <a:r>
+              <a:rPr lang="en-US" dirty="0"/>
+              <a:t>4</a:t>
+            </a:r>
+            <a:r>
+              <a:rPr lang="en-US" dirty="0" smtClean="0"/>
+              <a:t>. </a:t>
+            </a:r>
+            <a:r>
+              <a:rPr lang="en-US" dirty="0" err="1" smtClean="0"/>
+              <a:t>Các</a:t>
+            </a:r>
+            <a:r>
+              <a:rPr lang="en-US" dirty="0" smtClean="0"/>
+              <a:t> </a:t>
+            </a:r>
+            <a:r>
+              <a:rPr lang="en-US" dirty="0" err="1" smtClean="0"/>
+              <a:t>vấn</a:t>
+            </a:r>
+            <a:r>
+              <a:rPr lang="en-US" dirty="0" smtClean="0"/>
+              <a:t> </a:t>
+            </a:r>
+            <a:r>
+              <a:rPr lang="en-US" dirty="0" err="1" smtClean="0"/>
+              <a:t>đề</a:t>
+            </a:r>
+            <a:r>
+              <a:rPr lang="en-US" dirty="0" smtClean="0"/>
+              <a:t> </a:t>
+            </a:r>
+            <a:r>
+              <a:rPr lang="en-US" dirty="0" err="1" smtClean="0"/>
+              <a:t>khác</a:t>
+            </a:r>
+            <a:endParaRPr lang="en-US" dirty="0"/>
+          </a:p>
+        </p:txBody>
+      </p:sp>
+      <p:sp>
+        <p:nvSpPr>
+          <p:cNvPr id="3" name="Content Placeholder 2"/>
+          <p:cNvSpPr>
+            <a:spLocks noGrp="1"/>
+          </p:cNvSpPr>
+          <p:nvPr>
+            <p:ph idx="1"/>
+          </p:nvPr>
+        </p:nvSpPr>
+        <p:spPr/>
+        <p:txBody>
+          <a:bodyPr/>
+          <a:lstStyle/>
+          <a:p>
+            <a:pPr marL="0" indent="0">
+              <a:buNone/>
+            </a:pPr>
+            <a:r>
+              <a:rPr lang="en-US" dirty="0" err="1" smtClean="0"/>
+              <a:t>Không</a:t>
+            </a:r>
+            <a:r>
+              <a:rPr lang="en-US" dirty="0" smtClean="0"/>
+              <a:t> </a:t>
+            </a:r>
+            <a:r>
+              <a:rPr lang="en-US" dirty="0" err="1" smtClean="0"/>
+              <a:t>có</a:t>
+            </a:r>
+            <a:endParaRPr lang="en-US" dirty="0" smtClean="0"/>
+          </a:p>
+        </p:txBody>
+      </p:sp>
+    </p:spTree>
+    <p:extLst>
+      <p:ext uri="{BB962C8B-B14F-4D97-AF65-F5344CB8AC3E}">
+        <p14:creationId xmlns:p14="http://schemas.microsoft.com/office/powerpoint/2010/main" xmlns="" val="1441455490"/>
       </p:ext>
     </p:extLst>
   </p:cSld>

--- a/CFT4CUnitSrc/src/report/DinhNgocThi-BaocaotiendoNCS.pptx
+++ b/CFT4CUnitSrc/src/report/DinhNgocThi-BaocaotiendoNCS.pptx
@@ -303,7 +303,7 @@
             <a:fld id="{303881E0-EDA0-4CAA-BDE9-D54759E7AE67}" type="datetimeFigureOut">
               <a:rPr lang="en-US" smtClean="0"/>
               <a:pPr/>
-              <a:t>2/11/2017</a:t>
+              <a:t>6/4/2017</a:t>
             </a:fld>
             <a:endParaRPr lang="en-US"/>
           </a:p>
@@ -505,7 +505,7 @@
             <a:fld id="{303881E0-EDA0-4CAA-BDE9-D54759E7AE67}" type="datetimeFigureOut">
               <a:rPr lang="en-US" smtClean="0"/>
               <a:pPr/>
-              <a:t>2/11/2017</a:t>
+              <a:t>6/4/2017</a:t>
             </a:fld>
             <a:endParaRPr lang="en-US"/>
           </a:p>
@@ -682,7 +682,7 @@
             <a:fld id="{303881E0-EDA0-4CAA-BDE9-D54759E7AE67}" type="datetimeFigureOut">
               <a:rPr lang="en-US" smtClean="0"/>
               <a:pPr/>
-              <a:t>2/11/2017</a:t>
+              <a:t>6/4/2017</a:t>
             </a:fld>
             <a:endParaRPr lang="en-US"/>
           </a:p>
@@ -849,7 +849,7 @@
             <a:fld id="{303881E0-EDA0-4CAA-BDE9-D54759E7AE67}" type="datetimeFigureOut">
               <a:rPr lang="en-US" smtClean="0"/>
               <a:pPr/>
-              <a:t>2/11/2017</a:t>
+              <a:t>6/4/2017</a:t>
             </a:fld>
             <a:endParaRPr lang="en-US"/>
           </a:p>
@@ -1099,7 +1099,7 @@
             <a:fld id="{303881E0-EDA0-4CAA-BDE9-D54759E7AE67}" type="datetimeFigureOut">
               <a:rPr lang="en-US" smtClean="0"/>
               <a:pPr/>
-              <a:t>2/11/2017</a:t>
+              <a:t>6/4/2017</a:t>
             </a:fld>
             <a:endParaRPr lang="en-US"/>
           </a:p>
@@ -1419,7 +1419,7 @@
             <a:fld id="{303881E0-EDA0-4CAA-BDE9-D54759E7AE67}" type="datetimeFigureOut">
               <a:rPr lang="en-US" smtClean="0"/>
               <a:pPr/>
-              <a:t>2/11/2017</a:t>
+              <a:t>6/4/2017</a:t>
             </a:fld>
             <a:endParaRPr lang="en-US"/>
           </a:p>
@@ -1887,7 +1887,7 @@
             <a:fld id="{303881E0-EDA0-4CAA-BDE9-D54759E7AE67}" type="datetimeFigureOut">
               <a:rPr lang="en-US" smtClean="0"/>
               <a:pPr/>
-              <a:t>2/11/2017</a:t>
+              <a:t>6/4/2017</a:t>
             </a:fld>
             <a:endParaRPr lang="en-US"/>
           </a:p>
@@ -2037,7 +2037,7 @@
             <a:fld id="{303881E0-EDA0-4CAA-BDE9-D54759E7AE67}" type="datetimeFigureOut">
               <a:rPr lang="en-US" smtClean="0"/>
               <a:pPr/>
-              <a:t>2/11/2017</a:t>
+              <a:t>6/4/2017</a:t>
             </a:fld>
             <a:endParaRPr lang="en-US"/>
           </a:p>
@@ -2129,7 +2129,7 @@
             <a:fld id="{303881E0-EDA0-4CAA-BDE9-D54759E7AE67}" type="datetimeFigureOut">
               <a:rPr lang="en-US" smtClean="0"/>
               <a:pPr/>
-              <a:t>2/11/2017</a:t>
+              <a:t>6/4/2017</a:t>
             </a:fld>
             <a:endParaRPr lang="en-US"/>
           </a:p>
@@ -2405,7 +2405,7 @@
             <a:fld id="{303881E0-EDA0-4CAA-BDE9-D54759E7AE67}" type="datetimeFigureOut">
               <a:rPr lang="en-US" smtClean="0"/>
               <a:pPr/>
-              <a:t>2/11/2017</a:t>
+              <a:t>6/4/2017</a:t>
             </a:fld>
             <a:endParaRPr lang="en-US"/>
           </a:p>
@@ -2712,7 +2712,7 @@
             <a:fld id="{303881E0-EDA0-4CAA-BDE9-D54759E7AE67}" type="datetimeFigureOut">
               <a:rPr lang="en-US" smtClean="0"/>
               <a:pPr/>
-              <a:t>2/11/2017</a:t>
+              <a:t>6/4/2017</a:t>
             </a:fld>
             <a:endParaRPr lang="en-US"/>
           </a:p>
@@ -3012,7 +3012,7 @@
             <a:fld id="{303881E0-EDA0-4CAA-BDE9-D54759E7AE67}" type="datetimeFigureOut">
               <a:rPr lang="en-US" smtClean="0"/>
               <a:pPr/>
-              <a:t>2/11/2017</a:t>
+              <a:t>6/4/2017</a:t>
             </a:fld>
             <a:endParaRPr lang="en-US"/>
           </a:p>
@@ -5404,6 +5404,106 @@
               <a:t>★</a:t>
             </a:r>
             <a:r>
+              <a:rPr lang="en-US" altLang="ja-JP" dirty="0" err="1" smtClean="0"/>
+              <a:t>Đã</a:t>
+            </a:r>
+            <a:r>
+              <a:rPr lang="en-US" altLang="ja-JP" dirty="0" smtClean="0"/>
+              <a:t> </a:t>
+            </a:r>
+            <a:r>
+              <a:rPr lang="en-US" altLang="ja-JP" dirty="0" err="1" smtClean="0"/>
+              <a:t>nộp</a:t>
+            </a:r>
+            <a:r>
+              <a:rPr lang="en-US" altLang="ja-JP" dirty="0" smtClean="0"/>
+              <a:t> </a:t>
+            </a:r>
+            <a:r>
+              <a:rPr lang="en-US" altLang="ja-JP" dirty="0" err="1" smtClean="0"/>
+              <a:t>đơn</a:t>
+            </a:r>
+            <a:r>
+              <a:rPr lang="en-US" altLang="ja-JP" dirty="0" smtClean="0"/>
+              <a:t> </a:t>
+            </a:r>
+            <a:r>
+              <a:rPr lang="en-US" altLang="ja-JP" dirty="0" err="1" smtClean="0"/>
+              <a:t>xin</a:t>
+            </a:r>
+            <a:r>
+              <a:rPr lang="en-US" altLang="ja-JP" dirty="0" smtClean="0"/>
+              <a:t> </a:t>
+            </a:r>
+            <a:r>
+              <a:rPr lang="en-US" altLang="ja-JP" dirty="0" err="1" smtClean="0"/>
+              <a:t>miễn</a:t>
+            </a:r>
+            <a:r>
+              <a:rPr lang="en-US" altLang="ja-JP" dirty="0" smtClean="0"/>
+              <a:t> </a:t>
+            </a:r>
+            <a:r>
+              <a:rPr lang="en-US" altLang="ja-JP" dirty="0" err="1" smtClean="0"/>
+              <a:t>học</a:t>
+            </a:r>
+            <a:r>
+              <a:rPr lang="en-US" altLang="ja-JP" dirty="0" smtClean="0"/>
+              <a:t> </a:t>
+            </a:r>
+            <a:r>
+              <a:rPr lang="en-US" altLang="ja-JP" dirty="0" err="1" smtClean="0"/>
+              <a:t>phần</a:t>
+            </a:r>
+            <a:r>
+              <a:rPr lang="en-US" altLang="ja-JP" dirty="0" smtClean="0"/>
+              <a:t> </a:t>
+            </a:r>
+            <a:r>
+              <a:rPr lang="en-US" altLang="ja-JP" dirty="0" err="1" smtClean="0"/>
+              <a:t>ngoại</a:t>
+            </a:r>
+            <a:r>
+              <a:rPr lang="en-US" altLang="ja-JP" dirty="0" smtClean="0"/>
+              <a:t> </a:t>
+            </a:r>
+            <a:r>
+              <a:rPr lang="en-US" altLang="ja-JP" dirty="0" err="1" smtClean="0"/>
+              <a:t>ngữ</a:t>
+            </a:r>
+            <a:r>
+              <a:rPr lang="en-US" altLang="ja-JP" dirty="0" smtClean="0"/>
+              <a:t> </a:t>
+            </a:r>
+            <a:r>
+              <a:rPr lang="en-US" altLang="ja-JP" dirty="0" err="1" smtClean="0"/>
+              <a:t>nâng</a:t>
+            </a:r>
+            <a:r>
+              <a:rPr lang="en-US" altLang="ja-JP" dirty="0" smtClean="0"/>
+              <a:t> </a:t>
+            </a:r>
+            <a:r>
+              <a:rPr lang="en-US" altLang="ja-JP" dirty="0" err="1" smtClean="0"/>
+              <a:t>cao</a:t>
+            </a:r>
+            <a:endParaRPr lang="en-US" altLang="ja-JP" dirty="0" smtClean="0"/>
+          </a:p>
+          <a:p>
+            <a:pPr marL="0" indent="0" algn="just">
+              <a:buNone/>
+            </a:pPr>
+            <a:endParaRPr lang="en-US" altLang="ja-JP" dirty="0" smtClean="0"/>
+          </a:p>
+          <a:p>
+            <a:pPr marL="0" indent="0" algn="just">
+              <a:buNone/>
+            </a:pPr>
+            <a:r>
+              <a:rPr lang="ja-JP" altLang="en-US" smtClean="0"/>
+              <a:t>★</a:t>
+            </a:r>
+            <a:r>
               <a:rPr lang="en-US" dirty="0" err="1" smtClean="0"/>
               <a:t>Tiến</a:t>
             </a:r>
@@ -5471,15 +5571,7 @@
             </a:r>
             <a:r>
               <a:rPr lang="en-US" dirty="0" err="1" smtClean="0"/>
-              <a:t>hoàn</a:t>
-            </a:r>
-            <a:r>
-              <a:rPr lang="en-US" dirty="0" smtClean="0"/>
-              <a:t> </a:t>
-            </a:r>
-            <a:r>
-              <a:rPr lang="en-US" dirty="0" err="1" smtClean="0"/>
-              <a:t>thành</a:t>
+              <a:t>viết</a:t>
             </a:r>
             <a:r>
               <a:rPr lang="en-US" dirty="0" smtClean="0"/>
@@ -5537,6 +5629,18 @@
               <a:rPr lang="en-US" dirty="0" err="1" smtClean="0"/>
               <a:t>TỔNG</a:t>
             </a:r>
+            <a:r>
+              <a:rPr lang="en-US" dirty="0" smtClean="0"/>
+              <a:t> </a:t>
+            </a:r>
+            <a:r>
+              <a:rPr lang="en-US" dirty="0" err="1" smtClean="0"/>
+              <a:t>QUAN</a:t>
+            </a:r>
+            <a:r>
+              <a:rPr lang="en-US" dirty="0" smtClean="0"/>
+              <a:t>, </a:t>
+            </a:r>
             <a:endParaRPr lang="en-US" dirty="0" smtClean="0"/>
           </a:p>
           <a:p>
@@ -5545,19 +5649,15 @@
             </a:pPr>
             <a:r>
               <a:rPr lang="en-US" dirty="0" err="1" smtClean="0"/>
-              <a:t>QUAN</a:t>
-            </a:r>
-            <a:r>
-              <a:rPr lang="en-US" dirty="0" smtClean="0"/>
-              <a:t>, </a:t>
-            </a:r>
-            <a:r>
-              <a:rPr lang="en-US" dirty="0" err="1" smtClean="0"/>
               <a:t>chương</a:t>
             </a:r>
             <a:r>
               <a:rPr lang="en-US" dirty="0" smtClean="0"/>
-              <a:t> 2 </a:t>
+              <a:t> </a:t>
+            </a:r>
+            <a:r>
+              <a:rPr lang="en-US" dirty="0" smtClean="0"/>
+              <a:t>2 </a:t>
             </a:r>
             <a:r>
               <a:rPr lang="en-US" dirty="0" err="1" smtClean="0"/>
@@ -5875,12 +5975,36 @@
               <a:t> </a:t>
             </a:r>
             <a:r>
-              <a:rPr lang="en-US" dirty="0"/>
-              <a:t>submit paper </a:t>
-            </a:r>
-            <a:r>
-              <a:rPr lang="en-US" dirty="0" smtClean="0"/>
-              <a:t>“Parallel Particle Swarm Optimization-based Test Data Generation for Path Coverage Testing” </a:t>
+              <a:rPr lang="en-US" dirty="0" err="1" smtClean="0"/>
+              <a:t>viết</a:t>
+            </a:r>
+            <a:r>
+              <a:rPr lang="en-US" dirty="0" smtClean="0"/>
+              <a:t> </a:t>
+            </a:r>
+            <a:r>
+              <a:rPr lang="en-US" dirty="0" err="1" smtClean="0"/>
+              <a:t>xong</a:t>
+            </a:r>
+            <a:r>
+              <a:rPr lang="en-US" dirty="0" smtClean="0"/>
+              <a:t> paper “Parallel Particle Swarm Optimization-based Test Data Generation for Path Coverage Testing”, </a:t>
+            </a:r>
+            <a:r>
+              <a:rPr lang="en-US" dirty="0" err="1" smtClean="0"/>
+              <a:t>chuẩn</a:t>
+            </a:r>
+            <a:r>
+              <a:rPr lang="en-US" dirty="0" smtClean="0"/>
+              <a:t> </a:t>
+            </a:r>
+            <a:r>
+              <a:rPr lang="en-US" dirty="0" err="1" smtClean="0"/>
+              <a:t>bị</a:t>
+            </a:r>
+            <a:r>
+              <a:rPr lang="en-US" dirty="0" smtClean="0"/>
+              <a:t> submit </a:t>
             </a:r>
             <a:r>
               <a:rPr lang="en-US" dirty="0" err="1" smtClean="0"/>
@@ -5888,7 +6012,7 @@
             </a:r>
             <a:r>
               <a:rPr lang="en-US" dirty="0" smtClean="0"/>
-              <a:t> </a:t>
+              <a:t> VNU journal.</a:t>
             </a:r>
             <a:endParaRPr lang="en-US" dirty="0"/>
           </a:p>
@@ -6165,11 +6289,7 @@
             </a:r>
             <a:r>
               <a:rPr lang="en-US" dirty="0" err="1" smtClean="0"/>
-              <a:t>h</a:t>
-            </a:r>
-            <a:r>
-              <a:rPr lang="en-US" dirty="0" err="1" smtClean="0"/>
-              <a:t>oàn</a:t>
+              <a:t>hoàn</a:t>
             </a:r>
             <a:r>
               <a:rPr lang="en-US" dirty="0" smtClean="0"/>
